--- a/Presentations/Project Presentation #2 - mandatory 20171206.pptx
+++ b/Presentations/Project Presentation #2 - mandatory 20171206.pptx
@@ -576,7 +576,7 @@
               </a14:hiddenFill>
             </a:ext>
             <a:ext uri="{FAA26D3D-D897-4be2-8F04-BA451C77F1D7}">
-              <ma14:placeholderFlag xmlns="" xmlns:ma14="http://schemas.microsoft.com/office/mac/drawingml/2011/main" val="1"/>
+              <ma14:placeholderFlag xmlns:ma14="http://schemas.microsoft.com/office/mac/drawingml/2011/main" xmlns="" val="1"/>
             </a:ext>
           </a:extLst>
         </p:spPr>
@@ -612,7 +612,7 @@
               </a14:hiddenLine>
             </a:ext>
             <a:ext uri="{FAA26D3D-D897-4be2-8F04-BA451C77F1D7}">
-              <ma14:placeholderFlag xmlns="" xmlns:ma14="http://schemas.microsoft.com/office/mac/drawingml/2011/main" val="1"/>
+              <ma14:placeholderFlag xmlns:ma14="http://schemas.microsoft.com/office/mac/drawingml/2011/main" xmlns="" val="1"/>
             </a:ext>
           </a:extLst>
         </p:spPr>
@@ -6750,7 +6750,7 @@
         </p:blipFill>
         <p:spPr>
           <a:xfrm>
-            <a:off x="1167940" y="1081042"/>
+            <a:off x="1198420" y="1081041"/>
             <a:ext cx="1098660" cy="996314"/>
           </a:xfrm>
           <a:prstGeom prst="rect">
@@ -6776,7 +6776,7 @@
         </p:nvSpPr>
         <p:spPr>
           <a:xfrm>
-            <a:off x="2490412" y="1081042"/>
+            <a:off x="2449841" y="746177"/>
             <a:ext cx="5893594" cy="669727"/>
           </a:xfrm>
         </p:spPr>
@@ -6899,14 +6899,19 @@
             <p:ph type="title"/>
           </p:nvPr>
         </p:nvSpPr>
-        <p:spPr/>
+        <p:spPr>
+          <a:xfrm>
+            <a:off x="1353944" y="737475"/>
+            <a:ext cx="5893594" cy="669727"/>
+          </a:xfrm>
+        </p:spPr>
         <p:txBody>
           <a:bodyPr/>
           <a:lstStyle/>
           <a:p>
             <a:r>
               <a:rPr lang="es-ES" dirty="0"/>
-              <a:t>GUI</a:t>
+              <a:t>	GUI</a:t>
             </a:r>
             <a:endParaRPr lang="en-GB" dirty="0"/>
           </a:p>
@@ -7002,6 +7007,36 @@
           </a:prstGeom>
         </p:spPr>
       </p:pic>
+      <p:pic>
+        <p:nvPicPr>
+          <p:cNvPr id="7" name="Picture 5">
+            <a:extLst>
+              <a:ext uri="{FF2B5EF4-FFF2-40B4-BE49-F238E27FC236}">
+                <a16:creationId xmlns:a16="http://schemas.microsoft.com/office/drawing/2014/main" id="{D4C86432-196B-4048-8514-18BDE3E1B6C4}"/>
+              </a:ext>
+            </a:extLst>
+          </p:cNvPr>
+          <p:cNvPicPr>
+            <a:picLocks noChangeAspect="1"/>
+          </p:cNvPicPr>
+          <p:nvPr/>
+        </p:nvPicPr>
+        <p:blipFill>
+          <a:blip r:embed="rId6"/>
+          <a:stretch>
+            <a:fillRect/>
+          </a:stretch>
+        </p:blipFill>
+        <p:spPr>
+          <a:xfrm>
+            <a:off x="1198420" y="1072339"/>
+            <a:ext cx="1098660" cy="996314"/>
+          </a:xfrm>
+          <a:prstGeom prst="rect">
+            <a:avLst/>
+          </a:prstGeom>
+        </p:spPr>
+      </p:pic>
     </p:spTree>
     <p:extLst>
       <p:ext uri="{BB962C8B-B14F-4D97-AF65-F5344CB8AC3E}">
@@ -7056,7 +7091,7 @@
           <a:p>
             <a:r>
               <a:rPr lang="es-ES" dirty="0"/>
-              <a:t>DEMO SCREENSHOTS</a:t>
+              <a:t>	DEMO SCREENSHOTS</a:t>
             </a:r>
             <a:endParaRPr lang="en-GB" dirty="0"/>
           </a:p>
@@ -7090,7 +7125,7 @@
         </p:blipFill>
         <p:spPr>
           <a:xfrm>
-            <a:off x="3465620" y="2075542"/>
+            <a:off x="3474590" y="2325849"/>
             <a:ext cx="2194819" cy="4470399"/>
           </a:xfrm>
           <a:prstGeom prst="rect">
@@ -7126,7 +7161,7 @@
         </p:blipFill>
         <p:spPr>
           <a:xfrm>
-            <a:off x="826864" y="2075539"/>
+            <a:off x="867504" y="2299059"/>
             <a:ext cx="2194819" cy="4470399"/>
           </a:xfrm>
           <a:prstGeom prst="rect">
@@ -7162,8 +7197,38 @@
         </p:blipFill>
         <p:spPr>
           <a:xfrm>
-            <a:off x="6181141" y="2075540"/>
+            <a:off x="6139968" y="2325848"/>
             <a:ext cx="2194819" cy="4470399"/>
+          </a:xfrm>
+          <a:prstGeom prst="rect">
+            <a:avLst/>
+          </a:prstGeom>
+        </p:spPr>
+      </p:pic>
+      <p:pic>
+        <p:nvPicPr>
+          <p:cNvPr id="6" name="Picture 5">
+            <a:extLst>
+              <a:ext uri="{FF2B5EF4-FFF2-40B4-BE49-F238E27FC236}">
+                <a16:creationId xmlns:a16="http://schemas.microsoft.com/office/drawing/2014/main" id="{C3A06EEF-C6E4-4830-B48F-7C0B603891E4}"/>
+              </a:ext>
+            </a:extLst>
+          </p:cNvPr>
+          <p:cNvPicPr>
+            <a:picLocks noChangeAspect="1"/>
+          </p:cNvPicPr>
+          <p:nvPr/>
+        </p:nvPicPr>
+        <p:blipFill>
+          <a:blip r:embed="rId5"/>
+          <a:stretch>
+            <a:fillRect/>
+          </a:stretch>
+        </p:blipFill>
+        <p:spPr>
+          <a:xfrm>
+            <a:off x="1198420" y="1079225"/>
+            <a:ext cx="1098660" cy="996314"/>
           </a:xfrm>
           <a:prstGeom prst="rect">
             <a:avLst/>
@@ -7224,7 +7289,7 @@
           <a:p>
             <a:r>
               <a:rPr lang="en-GB" dirty="0"/>
-              <a:t>REMAINING TIME</a:t>
+              <a:t>	REMAINING TIME</a:t>
             </a:r>
           </a:p>
         </p:txBody>
@@ -7447,6 +7512,36 @@
           </a:fontRef>
         </p:style>
       </p:cxnSp>
+      <p:pic>
+        <p:nvPicPr>
+          <p:cNvPr id="7" name="Picture 5">
+            <a:extLst>
+              <a:ext uri="{FF2B5EF4-FFF2-40B4-BE49-F238E27FC236}">
+                <a16:creationId xmlns:a16="http://schemas.microsoft.com/office/drawing/2014/main" id="{2A386CA2-505E-425D-9255-A8B0AF003D14}"/>
+              </a:ext>
+            </a:extLst>
+          </p:cNvPr>
+          <p:cNvPicPr>
+            <a:picLocks noChangeAspect="1"/>
+          </p:cNvPicPr>
+          <p:nvPr/>
+        </p:nvPicPr>
+        <p:blipFill>
+          <a:blip r:embed="rId3"/>
+          <a:stretch>
+            <a:fillRect/>
+          </a:stretch>
+        </p:blipFill>
+        <p:spPr>
+          <a:xfrm>
+            <a:off x="1167940" y="1081042"/>
+            <a:ext cx="1098660" cy="996314"/>
+          </a:xfrm>
+          <a:prstGeom prst="rect">
+            <a:avLst/>
+          </a:prstGeom>
+        </p:spPr>
+      </p:pic>
     </p:spTree>
     <p:extLst>
       <p:ext uri="{BB962C8B-B14F-4D97-AF65-F5344CB8AC3E}">
@@ -7501,7 +7596,7 @@
           <a:p>
             <a:r>
               <a:rPr lang="es-ES" dirty="0"/>
-              <a:t>FOR TESTING</a:t>
+              <a:t>	FOR TESTING</a:t>
             </a:r>
           </a:p>
         </p:txBody>
@@ -7555,7 +7650,7 @@
         </p:nvSpPr>
         <p:spPr>
           <a:xfrm>
-            <a:off x="521221" y="2052374"/>
+            <a:off x="521221" y="2387654"/>
             <a:ext cx="3769360" cy="2585323"/>
           </a:xfrm>
           <a:prstGeom prst="rect">
@@ -7757,6 +7852,36 @@
           </a:p>
         </p:txBody>
       </p:sp>
+      <p:pic>
+        <p:nvPicPr>
+          <p:cNvPr id="7" name="Picture 5">
+            <a:extLst>
+              <a:ext uri="{FF2B5EF4-FFF2-40B4-BE49-F238E27FC236}">
+                <a16:creationId xmlns:a16="http://schemas.microsoft.com/office/drawing/2014/main" id="{2F6673D2-FB3A-44A3-A231-2A422353F855}"/>
+              </a:ext>
+            </a:extLst>
+          </p:cNvPr>
+          <p:cNvPicPr>
+            <a:picLocks noChangeAspect="1"/>
+          </p:cNvPicPr>
+          <p:nvPr/>
+        </p:nvPicPr>
+        <p:blipFill>
+          <a:blip r:embed="rId3"/>
+          <a:stretch>
+            <a:fillRect/>
+          </a:stretch>
+        </p:blipFill>
+        <p:spPr>
+          <a:xfrm>
+            <a:off x="1167940" y="1081042"/>
+            <a:ext cx="1098660" cy="996314"/>
+          </a:xfrm>
+          <a:prstGeom prst="rect">
+            <a:avLst/>
+          </a:prstGeom>
+        </p:spPr>
+      </p:pic>
     </p:spTree>
     <p:extLst>
       <p:ext uri="{BB962C8B-B14F-4D97-AF65-F5344CB8AC3E}">
@@ -7897,7 +8022,7 @@
           <a:p>
             <a:r>
               <a:rPr lang="es-ES" dirty="0"/>
-              <a:t>SOME IDEAS</a:t>
+              <a:t>	SOME IDEAS</a:t>
             </a:r>
           </a:p>
         </p:txBody>
@@ -7918,7 +8043,12 @@
             <p:ph sz="quarter" idx="10"/>
           </p:nvPr>
         </p:nvSpPr>
-        <p:spPr/>
+        <p:spPr>
+          <a:xfrm>
+            <a:off x="1343784" y="2248377"/>
+            <a:ext cx="5893594" cy="3643313"/>
+          </a:xfrm>
+        </p:spPr>
         <p:txBody>
           <a:bodyPr/>
           <a:lstStyle/>
@@ -8036,6 +8166,36 @@
           </a:p>
         </p:txBody>
       </p:sp>
+      <p:pic>
+        <p:nvPicPr>
+          <p:cNvPr id="4" name="Picture 5">
+            <a:extLst>
+              <a:ext uri="{FF2B5EF4-FFF2-40B4-BE49-F238E27FC236}">
+                <a16:creationId xmlns:a16="http://schemas.microsoft.com/office/drawing/2014/main" id="{FB56F00E-FACD-42BF-94C3-C921564E77A0}"/>
+              </a:ext>
+            </a:extLst>
+          </p:cNvPr>
+          <p:cNvPicPr>
+            <a:picLocks noChangeAspect="1"/>
+          </p:cNvPicPr>
+          <p:nvPr/>
+        </p:nvPicPr>
+        <p:blipFill>
+          <a:blip r:embed="rId2"/>
+          <a:stretch>
+            <a:fillRect/>
+          </a:stretch>
+        </p:blipFill>
+        <p:spPr>
+          <a:xfrm>
+            <a:off x="1167940" y="1081042"/>
+            <a:ext cx="1098660" cy="996314"/>
+          </a:xfrm>
+          <a:prstGeom prst="rect">
+            <a:avLst/>
+          </a:prstGeom>
+        </p:spPr>
+      </p:pic>
     </p:spTree>
     <p:extLst>
       <p:ext uri="{BB962C8B-B14F-4D97-AF65-F5344CB8AC3E}">
@@ -8088,7 +8248,7 @@
         </p:blipFill>
         <p:spPr>
           <a:xfrm>
-            <a:off x="1331640" y="1808820"/>
+            <a:off x="1232580" y="1237320"/>
             <a:ext cx="6379459" cy="4607387"/>
           </a:xfrm>
           <a:prstGeom prst="rect">

--- a/Presentations/Project Presentation #2 - mandatory 20171206.pptx
+++ b/Presentations/Project Presentation #2 - mandatory 20171206.pptx
@@ -172,10 +172,6 @@
     </p:ext>
   </p:extLst>
 </p:presentation>
-</file>
-
-<file path=ppt/revisionInfo.xml><?xml version="1.0" encoding="utf-8"?>
-<p1510:revInfo xmlns:a="http://schemas.openxmlformats.org/drawingml/2006/main" xmlns:r="http://schemas.openxmlformats.org/officeDocument/2006/relationships" xmlns:p1510="http://schemas.microsoft.com/office/powerpoint/2015/10/main"/>
 </file>
 
 <file path=ppt/notesMasters/notesMaster1.xml><?xml version="1.0" encoding="utf-8"?>
@@ -2526,7 +2522,7 @@
             </a:r>
             <a:r>
               <a:rPr lang="en-GB" dirty="0"/>
-              <a:t>Few are those who like design decisions in front of their implementation, but well, you have to do it.... We have been shuffling several architectures as you can see</a:t>
+              <a:t>I know few people who like to design more than implement (maybe it's because I study Computer Science), but well, we have to do it.... So… We have been shuffling several architectures as you can see</a:t>
             </a:r>
           </a:p>
         </p:txBody>
@@ -9853,13 +9849,12 @@
                 <a:latin typeface="Arial" panose="020B0604020202020204" pitchFamily="34" charset="0"/>
                 <a:cs typeface="Arial" panose="020B0604020202020204" pitchFamily="34" charset="0"/>
               </a:rPr>
-              <a:t>Tiered-Client-Server Structure</a:t>
-            </a:r>
-          </a:p>
-          <a:p>
-            <a:pPr lvl="1">
-              <a:buFontTx/>
-              <a:buChar char="-"/>
+              <a:t>Tiered-Client-Server</a:t>
+            </a:r>
+          </a:p>
+          <a:p>
+            <a:pPr marL="241093" lvl="1" indent="0">
+              <a:buNone/>
             </a:pPr>
             <a:endParaRPr lang="en-GB" sz="2000" i="0" dirty="0">
               <a:latin typeface="Arial" panose="020B0604020202020204" pitchFamily="34" charset="0"/>
@@ -10000,13 +9995,12 @@
                 <a:latin typeface="Arial" panose="020B0604020202020204" pitchFamily="34" charset="0"/>
                 <a:cs typeface="Arial" panose="020B0604020202020204" pitchFamily="34" charset="0"/>
               </a:rPr>
-              <a:t>Tiered-Client-Server Structure</a:t>
-            </a:r>
-          </a:p>
-          <a:p>
-            <a:pPr lvl="1">
-              <a:buFontTx/>
-              <a:buChar char="-"/>
+              <a:t>Tiered-Client-Server</a:t>
+            </a:r>
+          </a:p>
+          <a:p>
+            <a:pPr marL="241093" lvl="1" indent="0">
+              <a:buNone/>
             </a:pPr>
             <a:endParaRPr lang="en-GB" sz="2000" i="0" dirty="0">
               <a:latin typeface="Arial" panose="020B0604020202020204" pitchFamily="34" charset="0"/>
@@ -10384,13 +10378,12 @@
                 <a:latin typeface="Arial" panose="020B0604020202020204" pitchFamily="34" charset="0"/>
                 <a:cs typeface="Arial" panose="020B0604020202020204" pitchFamily="34" charset="0"/>
               </a:rPr>
-              <a:t>Tiered-Client-Server Structure</a:t>
-            </a:r>
-          </a:p>
-          <a:p>
-            <a:pPr lvl="1">
-              <a:buFontTx/>
-              <a:buChar char="-"/>
+              <a:t>Tiered-Client-Server</a:t>
+            </a:r>
+          </a:p>
+          <a:p>
+            <a:pPr marL="241093" lvl="1" indent="0">
+              <a:buNone/>
             </a:pPr>
             <a:endParaRPr lang="en-GB" sz="2000" i="0" dirty="0">
               <a:latin typeface="Arial" panose="020B0604020202020204" pitchFamily="34" charset="0"/>

--- a/Presentations/Project Presentation #2 - mandatory 20171206.pptx
+++ b/Presentations/Project Presentation #2 - mandatory 20171206.pptx
@@ -174,6 +174,10 @@
 </p:presentation>
 </file>
 
+<file path=ppt/revisionInfo.xml><?xml version="1.0" encoding="utf-8"?>
+<p1510:revInfo xmlns:a="http://schemas.openxmlformats.org/drawingml/2006/main" xmlns:r="http://schemas.openxmlformats.org/officeDocument/2006/relationships" xmlns:p1510="http://schemas.microsoft.com/office/powerpoint/2015/10/main"/>
+</file>
+
 <file path=ppt/notesMasters/notesMaster1.xml><?xml version="1.0" encoding="utf-8"?>
 <p:notesMaster xmlns:a="http://schemas.openxmlformats.org/drawingml/2006/main" xmlns:r="http://schemas.openxmlformats.org/officeDocument/2006/relationships" xmlns:p="http://schemas.openxmlformats.org/presentationml/2006/main">
   <p:cSld>
@@ -574,7 +578,7 @@
               </a14:hiddenFill>
             </a:ext>
             <a:ext uri="{FAA26D3D-D897-4be2-8F04-BA451C77F1D7}">
-              <ma14:placeholderFlag xmlns:ma14="http://schemas.microsoft.com/office/mac/drawingml/2011/main" xmlns="" val="1"/>
+              <ma14:placeholderFlag xmlns="" xmlns:ma14="http://schemas.microsoft.com/office/mac/drawingml/2011/main" val="1"/>
             </a:ext>
           </a:extLst>
         </p:spPr>
@@ -610,7 +614,7 @@
               </a14:hiddenLine>
             </a:ext>
             <a:ext uri="{FAA26D3D-D897-4be2-8F04-BA451C77F1D7}">
-              <ma14:placeholderFlag xmlns:ma14="http://schemas.microsoft.com/office/mac/drawingml/2011/main" xmlns="" val="1"/>
+              <ma14:placeholderFlag xmlns="" xmlns:ma14="http://schemas.microsoft.com/office/mac/drawingml/2011/main" val="1"/>
             </a:ext>
           </a:extLst>
         </p:spPr>
@@ -2629,7 +2633,7 @@
                 <a:ea typeface="+mn-ea"/>
                 <a:cs typeface="+mn-cs"/>
               </a:rPr>
-              <a:t>tier client/server, most or all of the application logic and data is hosted on a server but we decide we needed an independent view to show the different data</a:t>
+              <a:t>tier client/server, most of the application logic and data is hosted on a server but we decide we needed an independent view to show the different data and the possibility to add more views</a:t>
             </a:r>
           </a:p>
         </p:txBody>
